--- a/Hotel_Booking_Analysis_Presentation.pptx
+++ b/Hotel_Booking_Analysis_Presentation.pptx
@@ -120,7 +120,41 @@
       </a:defRPr>
     </a:lvl9pPr>
   </p:defaultTextStyle>
+  <p:extLst>
+    <p:ext uri="{EFAFB233-063F-42B5-8137-9DF3F51BA10A}">
+      <p15:sldGuideLst xmlns:p15="http://schemas.microsoft.com/office/powerpoint/2012/main"/>
+    </p:ext>
+  </p:extLst>
 </p:presentation>
+</file>
+
+<file path=ppt/changesInfos/changesInfo1.xml><?xml version="1.0" encoding="utf-8"?>
+<pc:chgInfo xmlns:a="http://schemas.openxmlformats.org/drawingml/2006/main" xmlns:r="http://schemas.openxmlformats.org/officeDocument/2006/relationships" xmlns:ac="http://schemas.microsoft.com/office/drawing/2013/main/command" xmlns:pc="http://schemas.microsoft.com/office/powerpoint/2013/main/command">
+  <pc:docChgLst>
+    <pc:chgData name="Bidisha Pal" userId="2644c176d00fdd17" providerId="LiveId" clId="{82726FFC-6CAA-410E-AA67-7D091DDC349E}"/>
+    <pc:docChg chg="custSel modSld">
+      <pc:chgData name="Bidisha Pal" userId="2644c176d00fdd17" providerId="LiveId" clId="{82726FFC-6CAA-410E-AA67-7D091DDC349E}" dt="2024-10-26T18:18:36.978" v="25" actId="20577"/>
+      <pc:docMkLst>
+        <pc:docMk/>
+      </pc:docMkLst>
+      <pc:sldChg chg="modSp mod">
+        <pc:chgData name="Bidisha Pal" userId="2644c176d00fdd17" providerId="LiveId" clId="{82726FFC-6CAA-410E-AA67-7D091DDC349E}" dt="2024-10-26T18:18:36.978" v="25" actId="20577"/>
+        <pc:sldMkLst>
+          <pc:docMk/>
+          <pc:sldMk cId="1469038128" sldId="269"/>
+        </pc:sldMkLst>
+        <pc:spChg chg="mod">
+          <ac:chgData name="Bidisha Pal" userId="2644c176d00fdd17" providerId="LiveId" clId="{82726FFC-6CAA-410E-AA67-7D091DDC349E}" dt="2024-10-26T18:18:36.978" v="25" actId="20577"/>
+          <ac:spMkLst>
+            <pc:docMk/>
+            <pc:sldMk cId="1469038128" sldId="269"/>
+            <ac:spMk id="3" creationId="{94DC10B1-1C1B-EB6B-0E85-F549A84D2A25}"/>
+          </ac:spMkLst>
+        </pc:spChg>
+      </pc:sldChg>
+    </pc:docChg>
+  </pc:docChgLst>
+</pc:chgInfo>
 </file>
 
 <file path=ppt/diagrams/colors1.xml><?xml version="1.0" encoding="utf-8"?>
@@ -8545,10 +8579,107 @@
           </a:ln>
         </p:spPr>
         <p:txBody>
-          <a:bodyPr/>
+          <a:bodyPr>
+            <a:normAutofit/>
+          </a:bodyPr>
           <a:lstStyle/>
           <a:p>
-            <a:endParaRPr lang="en-IN" dirty="0"/>
+            <a:pPr marL="0" indent="0">
+              <a:buNone/>
+            </a:pPr>
+            <a:r>
+              <a:rPr lang="en-IN" sz="2000" dirty="0">
+                <a:solidFill>
+                  <a:schemeClr val="bg1"/>
+                </a:solidFill>
+                <a:latin typeface="Georgia" panose="02040502050405020303" pitchFamily="18" charset="0"/>
+              </a:rPr>
+              <a:t>1. Targeted Marketing : Segment customers and tailor marketing campaign with incentives, loyalty programs and family packages.</a:t>
+            </a:r>
+          </a:p>
+          <a:p>
+            <a:pPr marL="0" indent="0">
+              <a:buNone/>
+            </a:pPr>
+            <a:endParaRPr lang="en-IN" sz="2000" dirty="0">
+              <a:solidFill>
+                <a:schemeClr val="bg1"/>
+              </a:solidFill>
+              <a:latin typeface="Georgia" panose="02040502050405020303" pitchFamily="18" charset="0"/>
+            </a:endParaRPr>
+          </a:p>
+          <a:p>
+            <a:pPr marL="0" indent="0">
+              <a:buNone/>
+            </a:pPr>
+            <a:r>
+              <a:rPr lang="en-IN" sz="2000" dirty="0">
+                <a:solidFill>
+                  <a:schemeClr val="bg1"/>
+                </a:solidFill>
+                <a:latin typeface="Georgia" panose="02040502050405020303" pitchFamily="18" charset="0"/>
+              </a:rPr>
+              <a:t>2. Focus on Direct Booking : Prioritize direct bookings and run seasonal campaigns to reduce dependencies on high-cancellation channels.</a:t>
+            </a:r>
+          </a:p>
+          <a:p>
+            <a:pPr marL="0" indent="0">
+              <a:buNone/>
+            </a:pPr>
+            <a:endParaRPr lang="en-IN" sz="2000" dirty="0">
+              <a:solidFill>
+                <a:schemeClr val="bg1"/>
+              </a:solidFill>
+              <a:latin typeface="Georgia" panose="02040502050405020303" pitchFamily="18" charset="0"/>
+            </a:endParaRPr>
+          </a:p>
+          <a:p>
+            <a:pPr marL="0" indent="0">
+              <a:buNone/>
+            </a:pPr>
+            <a:r>
+              <a:rPr lang="en-IN" sz="2000" dirty="0">
+                <a:solidFill>
+                  <a:schemeClr val="bg1"/>
+                </a:solidFill>
+                <a:latin typeface="Georgia" panose="02040502050405020303" pitchFamily="18" charset="0"/>
+              </a:rPr>
+              <a:t>3. Operational Improvements : Balance flexible cancellation policies with protective measures and proactively engage with long-load-time bookings.</a:t>
+            </a:r>
+          </a:p>
+          <a:p>
+            <a:pPr marL="0" indent="0">
+              <a:buNone/>
+            </a:pPr>
+            <a:endParaRPr lang="en-IN" sz="2000">
+              <a:solidFill>
+                <a:schemeClr val="bg1"/>
+              </a:solidFill>
+              <a:latin typeface="Georgia" panose="02040502050405020303" pitchFamily="18" charset="0"/>
+            </a:endParaRPr>
+          </a:p>
+          <a:p>
+            <a:pPr marL="0" indent="0">
+              <a:buNone/>
+            </a:pPr>
+            <a:r>
+              <a:rPr lang="en-IN" sz="2000">
+                <a:solidFill>
+                  <a:schemeClr val="bg1"/>
+                </a:solidFill>
+                <a:latin typeface="Georgia" panose="02040502050405020303" pitchFamily="18" charset="0"/>
+              </a:rPr>
+              <a:t>4</a:t>
+            </a:r>
+            <a:r>
+              <a:rPr lang="en-IN" sz="2000" dirty="0">
+                <a:solidFill>
+                  <a:schemeClr val="bg1"/>
+                </a:solidFill>
+                <a:latin typeface="Georgia" panose="02040502050405020303" pitchFamily="18" charset="0"/>
+              </a:rPr>
+              <a:t>. Dynamic Pricing : Implement a flexible pricing strategy based on demand, lead_time and guest loyalty.</a:t>
+            </a:r>
           </a:p>
         </p:txBody>
       </p:sp>
